--- a/src/sitepresentation.pptx
+++ b/src/sitepresentation.pptx
@@ -213,7 +213,7 @@
           <a:p>
             <a:fld id="{061C5132-FFA3-4B02-9F09-22FCF40EFA74}" type="datetimeFigureOut">
               <a:rPr lang="en-US" smtClean="0"/>
-              <a:t>2/6/2019</a:t>
+              <a:t>2/9/2019</a:t>
             </a:fld>
             <a:endParaRPr lang="en-US"/>
           </a:p>
@@ -378,7 +378,7 @@
           <a:p>
             <a:fld id="{0B6E42C9-243F-4DC5-AFF6-9D56B5FA9D63}" type="datetimeFigureOut">
               <a:rPr lang="en-US" smtClean="0"/>
-              <a:t>2/6/2019</a:t>
+              <a:t>2/9/2019</a:t>
             </a:fld>
             <a:endParaRPr lang="en-US"/>
           </a:p>
@@ -1278,16 +1278,12 @@
   <p:clrMapOvr>
     <a:masterClrMapping/>
   </p:clrMapOvr>
-  <mc:AlternateContent xmlns:mc="http://schemas.openxmlformats.org/markup-compatibility/2006" xmlns:p14="http://schemas.microsoft.com/office/powerpoint/2010/main">
-    <mc:Choice Requires="p14">
-      <p:transition spd="med" p14:dur="700">
-        <p:fade/>
-      </p:transition>
+  <mc:AlternateContent xmlns:mc="http://schemas.openxmlformats.org/markup-compatibility/2006">
+    <mc:Choice xmlns:p14="http://schemas.microsoft.com/office/powerpoint/2010/main" Requires="p14">
+      <p:transition p14:dur="10"/>
     </mc:Choice>
-    <mc:Fallback xmlns="">
-      <p:transition spd="med">
-        <p:fade/>
-      </p:transition>
+    <mc:Fallback>
+      <p:transition/>
     </mc:Fallback>
   </mc:AlternateContent>
 </p:sldLayout>
@@ -1421,7 +1417,7 @@
           <a:p>
             <a:fld id="{B0FE2824-C2A0-4931-BB32-60B24BDBB3CC}" type="datetimeFigureOut">
               <a:rPr lang="en-US" smtClean="0"/>
-              <a:t>2/6/2019</a:t>
+              <a:t>2/9/2019</a:t>
             </a:fld>
             <a:endParaRPr lang="en-US"/>
           </a:p>
@@ -1460,16 +1456,12 @@
   <p:clrMapOvr>
     <a:masterClrMapping/>
   </p:clrMapOvr>
-  <mc:AlternateContent xmlns:mc="http://schemas.openxmlformats.org/markup-compatibility/2006" xmlns:p14="http://schemas.microsoft.com/office/powerpoint/2010/main">
-    <mc:Choice Requires="p14">
-      <p:transition spd="med" p14:dur="700">
-        <p:fade/>
-      </p:transition>
+  <mc:AlternateContent xmlns:mc="http://schemas.openxmlformats.org/markup-compatibility/2006">
+    <mc:Choice xmlns:p14="http://schemas.microsoft.com/office/powerpoint/2010/main" Requires="p14">
+      <p:transition p14:dur="10"/>
     </mc:Choice>
-    <mc:Fallback xmlns="">
-      <p:transition spd="med">
-        <p:fade/>
-      </p:transition>
+    <mc:Fallback>
+      <p:transition/>
     </mc:Fallback>
   </mc:AlternateContent>
 </p:sldLayout>
@@ -1617,7 +1609,7 @@
           <a:p>
             <a:fld id="{B0FE2824-C2A0-4931-BB32-60B24BDBB3CC}" type="datetimeFigureOut">
               <a:rPr lang="en-US" smtClean="0"/>
-              <a:t>2/6/2019</a:t>
+              <a:t>2/9/2019</a:t>
             </a:fld>
             <a:endParaRPr lang="en-US"/>
           </a:p>
@@ -1656,16 +1648,12 @@
   <p:clrMapOvr>
     <a:masterClrMapping/>
   </p:clrMapOvr>
-  <mc:AlternateContent xmlns:mc="http://schemas.openxmlformats.org/markup-compatibility/2006" xmlns:p14="http://schemas.microsoft.com/office/powerpoint/2010/main">
-    <mc:Choice Requires="p14">
-      <p:transition spd="med" p14:dur="700">
-        <p:fade/>
-      </p:transition>
+  <mc:AlternateContent xmlns:mc="http://schemas.openxmlformats.org/markup-compatibility/2006">
+    <mc:Choice xmlns:p14="http://schemas.microsoft.com/office/powerpoint/2010/main" Requires="p14">
+      <p:transition p14:dur="10"/>
     </mc:Choice>
-    <mc:Fallback xmlns="">
-      <p:transition spd="med">
-        <p:fade/>
-      </p:transition>
+    <mc:Fallback>
+      <p:transition/>
     </mc:Fallback>
   </mc:AlternateContent>
 </p:sldLayout>
@@ -1799,7 +1787,7 @@
           <a:p>
             <a:fld id="{B0FE2824-C2A0-4931-BB32-60B24BDBB3CC}" type="datetimeFigureOut">
               <a:rPr lang="en-US" smtClean="0"/>
-              <a:t>2/6/2019</a:t>
+              <a:t>2/9/2019</a:t>
             </a:fld>
             <a:endParaRPr lang="en-US"/>
           </a:p>
@@ -1838,16 +1826,12 @@
   <p:clrMapOvr>
     <a:masterClrMapping/>
   </p:clrMapOvr>
-  <mc:AlternateContent xmlns:mc="http://schemas.openxmlformats.org/markup-compatibility/2006" xmlns:p14="http://schemas.microsoft.com/office/powerpoint/2010/main">
-    <mc:Choice Requires="p14">
-      <p:transition spd="med" p14:dur="700">
-        <p:fade/>
-      </p:transition>
+  <mc:AlternateContent xmlns:mc="http://schemas.openxmlformats.org/markup-compatibility/2006">
+    <mc:Choice xmlns:p14="http://schemas.microsoft.com/office/powerpoint/2010/main" Requires="p14">
+      <p:transition p14:dur="10"/>
     </mc:Choice>
-    <mc:Fallback xmlns="">
-      <p:transition spd="med">
-        <p:fade/>
-      </p:transition>
+    <mc:Fallback>
+      <p:transition/>
     </mc:Fallback>
   </mc:AlternateContent>
 </p:sldLayout>
@@ -2050,16 +2034,12 @@
   <p:clrMapOvr>
     <a:masterClrMapping/>
   </p:clrMapOvr>
-  <mc:AlternateContent xmlns:mc="http://schemas.openxmlformats.org/markup-compatibility/2006" xmlns:p14="http://schemas.microsoft.com/office/powerpoint/2010/main">
-    <mc:Choice Requires="p14">
-      <p:transition spd="med" p14:dur="700">
-        <p:fade/>
-      </p:transition>
+  <mc:AlternateContent xmlns:mc="http://schemas.openxmlformats.org/markup-compatibility/2006">
+    <mc:Choice xmlns:p14="http://schemas.microsoft.com/office/powerpoint/2010/main" Requires="p14">
+      <p:transition p14:dur="10"/>
     </mc:Choice>
-    <mc:Fallback xmlns="">
-      <p:transition spd="med">
-        <p:fade/>
-      </p:transition>
+    <mc:Fallback>
+      <p:transition/>
     </mc:Fallback>
   </mc:AlternateContent>
 </p:sldLayout>
@@ -2320,7 +2300,7 @@
           <a:p>
             <a:fld id="{B0FE2824-C2A0-4931-BB32-60B24BDBB3CC}" type="datetimeFigureOut">
               <a:rPr lang="en-US" smtClean="0"/>
-              <a:t>2/6/2019</a:t>
+              <a:t>2/9/2019</a:t>
             </a:fld>
             <a:endParaRPr lang="en-US"/>
           </a:p>
@@ -2359,16 +2339,12 @@
   <p:clrMapOvr>
     <a:masterClrMapping/>
   </p:clrMapOvr>
-  <mc:AlternateContent xmlns:mc="http://schemas.openxmlformats.org/markup-compatibility/2006" xmlns:p14="http://schemas.microsoft.com/office/powerpoint/2010/main">
-    <mc:Choice Requires="p14">
-      <p:transition spd="med" p14:dur="700">
-        <p:fade/>
-      </p:transition>
+  <mc:AlternateContent xmlns:mc="http://schemas.openxmlformats.org/markup-compatibility/2006">
+    <mc:Choice xmlns:p14="http://schemas.microsoft.com/office/powerpoint/2010/main" Requires="p14">
+      <p:transition p14:dur="10"/>
     </mc:Choice>
-    <mc:Fallback xmlns="">
-      <p:transition spd="med">
-        <p:fade/>
-      </p:transition>
+    <mc:Fallback>
+      <p:transition/>
     </mc:Fallback>
   </mc:AlternateContent>
 </p:sldLayout>
@@ -2764,7 +2740,7 @@
           <a:p>
             <a:fld id="{B0FE2824-C2A0-4931-BB32-60B24BDBB3CC}" type="datetimeFigureOut">
               <a:rPr lang="en-US" smtClean="0"/>
-              <a:t>2/6/2019</a:t>
+              <a:t>2/9/2019</a:t>
             </a:fld>
             <a:endParaRPr lang="en-US"/>
           </a:p>
@@ -2803,16 +2779,12 @@
   <p:clrMapOvr>
     <a:masterClrMapping/>
   </p:clrMapOvr>
-  <mc:AlternateContent xmlns:mc="http://schemas.openxmlformats.org/markup-compatibility/2006" xmlns:p14="http://schemas.microsoft.com/office/powerpoint/2010/main">
-    <mc:Choice Requires="p14">
-      <p:transition spd="med" p14:dur="700">
-        <p:fade/>
-      </p:transition>
+  <mc:AlternateContent xmlns:mc="http://schemas.openxmlformats.org/markup-compatibility/2006">
+    <mc:Choice xmlns:p14="http://schemas.microsoft.com/office/powerpoint/2010/main" Requires="p14">
+      <p:transition p14:dur="10"/>
     </mc:Choice>
-    <mc:Fallback xmlns="">
-      <p:transition spd="med">
-        <p:fade/>
-      </p:transition>
+    <mc:Fallback>
+      <p:transition/>
     </mc:Fallback>
   </mc:AlternateContent>
 </p:sldLayout>
@@ -2894,7 +2866,7 @@
           <a:p>
             <a:fld id="{B0FE2824-C2A0-4931-BB32-60B24BDBB3CC}" type="datetimeFigureOut">
               <a:rPr lang="en-US" smtClean="0"/>
-              <a:t>2/6/2019</a:t>
+              <a:t>2/9/2019</a:t>
             </a:fld>
             <a:endParaRPr lang="en-US"/>
           </a:p>
@@ -2933,16 +2905,12 @@
   <p:clrMapOvr>
     <a:masterClrMapping/>
   </p:clrMapOvr>
-  <mc:AlternateContent xmlns:mc="http://schemas.openxmlformats.org/markup-compatibility/2006" xmlns:p14="http://schemas.microsoft.com/office/powerpoint/2010/main">
-    <mc:Choice Requires="p14">
-      <p:transition spd="med" p14:dur="700">
-        <p:fade/>
-      </p:transition>
+  <mc:AlternateContent xmlns:mc="http://schemas.openxmlformats.org/markup-compatibility/2006">
+    <mc:Choice xmlns:p14="http://schemas.microsoft.com/office/powerpoint/2010/main" Requires="p14">
+      <p:transition p14:dur="10"/>
     </mc:Choice>
-    <mc:Fallback xmlns="">
-      <p:transition spd="med">
-        <p:fade/>
-      </p:transition>
+    <mc:Fallback>
+      <p:transition/>
     </mc:Fallback>
   </mc:AlternateContent>
 </p:sldLayout>
@@ -3001,7 +2969,7 @@
           <a:p>
             <a:fld id="{B0FE2824-C2A0-4931-BB32-60B24BDBB3CC}" type="datetimeFigureOut">
               <a:rPr lang="en-US" smtClean="0"/>
-              <a:t>2/6/2019</a:t>
+              <a:t>2/9/2019</a:t>
             </a:fld>
             <a:endParaRPr lang="en-US"/>
           </a:p>
@@ -3040,16 +3008,12 @@
   <p:clrMapOvr>
     <a:masterClrMapping/>
   </p:clrMapOvr>
-  <mc:AlternateContent xmlns:mc="http://schemas.openxmlformats.org/markup-compatibility/2006" xmlns:p14="http://schemas.microsoft.com/office/powerpoint/2010/main">
-    <mc:Choice Requires="p14">
-      <p:transition spd="med" p14:dur="700">
-        <p:fade/>
-      </p:transition>
+  <mc:AlternateContent xmlns:mc="http://schemas.openxmlformats.org/markup-compatibility/2006">
+    <mc:Choice xmlns:p14="http://schemas.microsoft.com/office/powerpoint/2010/main" Requires="p14">
+      <p:transition p14:dur="10"/>
     </mc:Choice>
-    <mc:Fallback xmlns="">
-      <p:transition spd="med">
-        <p:fade/>
-      </p:transition>
+    <mc:Fallback>
+      <p:transition/>
     </mc:Fallback>
   </mc:AlternateContent>
 </p:sldLayout>
@@ -3297,7 +3261,7 @@
           <a:p>
             <a:fld id="{B0FE2824-C2A0-4931-BB32-60B24BDBB3CC}" type="datetimeFigureOut">
               <a:rPr lang="en-US" smtClean="0"/>
-              <a:t>2/6/2019</a:t>
+              <a:t>2/9/2019</a:t>
             </a:fld>
             <a:endParaRPr lang="en-US"/>
           </a:p>
@@ -3336,16 +3300,12 @@
   <p:clrMapOvr>
     <a:masterClrMapping/>
   </p:clrMapOvr>
-  <mc:AlternateContent xmlns:mc="http://schemas.openxmlformats.org/markup-compatibility/2006" xmlns:p14="http://schemas.microsoft.com/office/powerpoint/2010/main">
-    <mc:Choice Requires="p14">
-      <p:transition spd="med" p14:dur="700">
-        <p:fade/>
-      </p:transition>
+  <mc:AlternateContent xmlns:mc="http://schemas.openxmlformats.org/markup-compatibility/2006">
+    <mc:Choice xmlns:p14="http://schemas.microsoft.com/office/powerpoint/2010/main" Requires="p14">
+      <p:transition p14:dur="10"/>
     </mc:Choice>
-    <mc:Fallback xmlns="">
-      <p:transition spd="med">
-        <p:fade/>
-      </p:transition>
+    <mc:Fallback>
+      <p:transition/>
     </mc:Fallback>
   </mc:AlternateContent>
 </p:sldLayout>
@@ -3571,7 +3531,7 @@
           <a:p>
             <a:fld id="{B0FE2824-C2A0-4931-BB32-60B24BDBB3CC}" type="datetimeFigureOut">
               <a:rPr lang="en-US" smtClean="0"/>
-              <a:t>2/6/2019</a:t>
+              <a:t>2/9/2019</a:t>
             </a:fld>
             <a:endParaRPr lang="en-US"/>
           </a:p>
@@ -3610,16 +3570,12 @@
   <p:clrMapOvr>
     <a:masterClrMapping/>
   </p:clrMapOvr>
-  <mc:AlternateContent xmlns:mc="http://schemas.openxmlformats.org/markup-compatibility/2006" xmlns:p14="http://schemas.microsoft.com/office/powerpoint/2010/main">
-    <mc:Choice Requires="p14">
-      <p:transition spd="med" p14:dur="700">
-        <p:fade/>
-      </p:transition>
+  <mc:AlternateContent xmlns:mc="http://schemas.openxmlformats.org/markup-compatibility/2006">
+    <mc:Choice xmlns:p14="http://schemas.microsoft.com/office/powerpoint/2010/main" Requires="p14">
+      <p:transition p14:dur="10"/>
     </mc:Choice>
-    <mc:Fallback xmlns="">
-      <p:transition spd="med">
-        <p:fade/>
-      </p:transition>
+    <mc:Fallback>
+      <p:transition/>
     </mc:Fallback>
   </mc:AlternateContent>
 </p:sldLayout>
@@ -3865,7 +3821,7 @@
             <a:fld id="{B0FE2824-C2A0-4931-BB32-60B24BDBB3CC}" type="datetimeFigureOut">
               <a:rPr lang="en-US" smtClean="0"/>
               <a:pPr/>
-              <a:t>2/6/2019</a:t>
+              <a:t>2/9/2019</a:t>
             </a:fld>
             <a:endParaRPr lang="en-US"/>
           </a:p>
@@ -3935,16 +3891,12 @@
     <p:sldLayoutId id="2147483658" r:id="rId10"/>
     <p:sldLayoutId id="2147483659" r:id="rId11"/>
   </p:sldLayoutIdLst>
-  <mc:AlternateContent xmlns:mc="http://schemas.openxmlformats.org/markup-compatibility/2006" xmlns:p14="http://schemas.microsoft.com/office/powerpoint/2010/main">
-    <mc:Choice Requires="p14">
-      <p:transition spd="med" p14:dur="700">
-        <p:fade/>
-      </p:transition>
+  <mc:AlternateContent xmlns:mc="http://schemas.openxmlformats.org/markup-compatibility/2006">
+    <mc:Choice xmlns:p14="http://schemas.microsoft.com/office/powerpoint/2010/main" Requires="p14">
+      <p:transition p14:dur="10"/>
     </mc:Choice>
-    <mc:Fallback xmlns="">
-      <p:transition spd="med">
-        <p:fade/>
-      </p:transition>
+    <mc:Fallback>
+      <p:transition/>
     </mc:Fallback>
   </mc:AlternateContent>
   <p:txStyles>
@@ -4365,16 +4317,12 @@
   <p:clrMapOvr>
     <a:masterClrMapping/>
   </p:clrMapOvr>
-  <mc:AlternateContent xmlns:mc="http://schemas.openxmlformats.org/markup-compatibility/2006" xmlns:p14="http://schemas.microsoft.com/office/powerpoint/2010/main">
-    <mc:Choice Requires="p14">
-      <p:transition spd="med" p14:dur="700">
-        <p:fade/>
-      </p:transition>
+  <mc:AlternateContent xmlns:mc="http://schemas.openxmlformats.org/markup-compatibility/2006">
+    <mc:Choice xmlns:p14="http://schemas.microsoft.com/office/powerpoint/2010/main" Requires="p14">
+      <p:transition p14:dur="10"/>
     </mc:Choice>
-    <mc:Fallback xmlns="">
-      <p:transition spd="med">
-        <p:fade/>
-      </p:transition>
+    <mc:Fallback>
+      <p:transition/>
     </mc:Fallback>
   </mc:AlternateContent>
   <p:timing>
@@ -4646,16 +4594,12 @@
   <p:clrMapOvr>
     <a:masterClrMapping/>
   </p:clrMapOvr>
-  <mc:AlternateContent xmlns:mc="http://schemas.openxmlformats.org/markup-compatibility/2006" xmlns:p14="http://schemas.microsoft.com/office/powerpoint/2010/main">
-    <mc:Choice Requires="p14">
-      <p:transition spd="med" p14:dur="700">
-        <p:fade/>
-      </p:transition>
+  <mc:AlternateContent xmlns:mc="http://schemas.openxmlformats.org/markup-compatibility/2006">
+    <mc:Choice xmlns:p14="http://schemas.microsoft.com/office/powerpoint/2010/main" Requires="p14">
+      <p:transition p14:dur="10"/>
     </mc:Choice>
-    <mc:Fallback xmlns="">
-      <p:transition spd="med">
-        <p:fade/>
-      </p:transition>
+    <mc:Fallback>
+      <p:transition/>
     </mc:Fallback>
   </mc:AlternateContent>
 </p:sld>
@@ -4834,16 +4778,12 @@
   <p:clrMapOvr>
     <a:masterClrMapping/>
   </p:clrMapOvr>
-  <mc:AlternateContent xmlns:mc="http://schemas.openxmlformats.org/markup-compatibility/2006" xmlns:p14="http://schemas.microsoft.com/office/powerpoint/2010/main">
-    <mc:Choice Requires="p14">
-      <p:transition spd="med" p14:dur="700">
-        <p:fade/>
-      </p:transition>
+  <mc:AlternateContent xmlns:mc="http://schemas.openxmlformats.org/markup-compatibility/2006">
+    <mc:Choice xmlns:p14="http://schemas.microsoft.com/office/powerpoint/2010/main" Requires="p14">
+      <p:transition p14:dur="10"/>
     </mc:Choice>
-    <mc:Fallback xmlns="">
-      <p:transition spd="med">
-        <p:fade/>
-      </p:transition>
+    <mc:Fallback>
+      <p:transition/>
     </mc:Fallback>
   </mc:AlternateContent>
 </p:sld>
@@ -5025,16 +4965,12 @@
   <p:clrMapOvr>
     <a:masterClrMapping/>
   </p:clrMapOvr>
-  <mc:AlternateContent xmlns:mc="http://schemas.openxmlformats.org/markup-compatibility/2006" xmlns:p14="http://schemas.microsoft.com/office/powerpoint/2010/main">
-    <mc:Choice Requires="p14">
-      <p:transition spd="med" p14:dur="700">
-        <p:fade/>
-      </p:transition>
+  <mc:AlternateContent xmlns:mc="http://schemas.openxmlformats.org/markup-compatibility/2006">
+    <mc:Choice xmlns:p14="http://schemas.microsoft.com/office/powerpoint/2010/main" Requires="p14">
+      <p:transition p14:dur="10"/>
     </mc:Choice>
-    <mc:Fallback xmlns="">
-      <p:transition spd="med">
-        <p:fade/>
-      </p:transition>
+    <mc:Fallback>
+      <p:transition/>
     </mc:Fallback>
   </mc:AlternateContent>
   <p:timing>
@@ -5679,18 +5615,21 @@
   <p:clrMapOvr>
     <a:masterClrMapping/>
   </p:clrMapOvr>
-  <mc:AlternateContent xmlns:mc="http://schemas.openxmlformats.org/markup-compatibility/2006" xmlns:p14="http://schemas.microsoft.com/office/powerpoint/2010/main">
-    <mc:Choice Requires="p14">
-      <p:transition spd="med" p14:dur="700">
-        <p:fade/>
-      </p:transition>
+  <mc:AlternateContent xmlns:mc="http://schemas.openxmlformats.org/markup-compatibility/2006">
+    <mc:Choice xmlns:p14="http://schemas.microsoft.com/office/powerpoint/2010/main" Requires="p14">
+      <p:transition p14:dur="10"/>
     </mc:Choice>
-    <mc:Fallback xmlns="">
-      <p:transition spd="med">
-        <p:fade/>
-      </p:transition>
+    <mc:Fallback>
+      <p:transition/>
     </mc:Fallback>
   </mc:AlternateContent>
+  <p:timing>
+    <p:tnLst>
+      <p:par>
+        <p:cTn id="1" dur="indefinite" restart="never" nodeType="tmRoot"/>
+      </p:par>
+    </p:tnLst>
+  </p:timing>
 </p:sld>
 </file>
 
@@ -5744,18 +5683,21 @@
   <p:clrMapOvr>
     <a:masterClrMapping/>
   </p:clrMapOvr>
-  <mc:AlternateContent xmlns:mc="http://schemas.openxmlformats.org/markup-compatibility/2006" xmlns:p14="http://schemas.microsoft.com/office/powerpoint/2010/main">
-    <mc:Choice Requires="p14">
-      <p:transition spd="med" p14:dur="700">
-        <p:fade/>
-      </p:transition>
+  <mc:AlternateContent xmlns:mc="http://schemas.openxmlformats.org/markup-compatibility/2006">
+    <mc:Choice xmlns:p14="http://schemas.microsoft.com/office/powerpoint/2010/main" Requires="p14">
+      <p:transition p14:dur="10"/>
     </mc:Choice>
-    <mc:Fallback xmlns="">
-      <p:transition spd="med">
-        <p:fade/>
-      </p:transition>
+    <mc:Fallback>
+      <p:transition/>
     </mc:Fallback>
   </mc:AlternateContent>
+  <p:timing>
+    <p:tnLst>
+      <p:par>
+        <p:cTn id="1" dur="indefinite" restart="never" nodeType="tmRoot"/>
+      </p:par>
+    </p:tnLst>
+  </p:timing>
 </p:sld>
 </file>
 
@@ -5900,18 +5842,21 @@
   <p:clrMapOvr>
     <a:masterClrMapping/>
   </p:clrMapOvr>
-  <mc:AlternateContent xmlns:mc="http://schemas.openxmlformats.org/markup-compatibility/2006" xmlns:p14="http://schemas.microsoft.com/office/powerpoint/2010/main">
-    <mc:Choice Requires="p14">
-      <p:transition spd="med" p14:dur="700">
-        <p:fade/>
-      </p:transition>
+  <mc:AlternateContent xmlns:mc="http://schemas.openxmlformats.org/markup-compatibility/2006">
+    <mc:Choice xmlns:p14="http://schemas.microsoft.com/office/powerpoint/2010/main" Requires="p14">
+      <p:transition p14:dur="10"/>
     </mc:Choice>
-    <mc:Fallback xmlns="">
-      <p:transition spd="med">
-        <p:fade/>
-      </p:transition>
+    <mc:Fallback>
+      <p:transition/>
     </mc:Fallback>
   </mc:AlternateContent>
+  <p:timing>
+    <p:tnLst>
+      <p:par>
+        <p:cTn id="1" dur="indefinite" restart="never" nodeType="tmRoot"/>
+      </p:par>
+    </p:tnLst>
+  </p:timing>
 </p:sld>
 </file>
 
@@ -6013,18 +5958,21 @@
   <p:clrMapOvr>
     <a:masterClrMapping/>
   </p:clrMapOvr>
-  <mc:AlternateContent xmlns:mc="http://schemas.openxmlformats.org/markup-compatibility/2006" xmlns:p14="http://schemas.microsoft.com/office/powerpoint/2010/main">
-    <mc:Choice Requires="p14">
-      <p:transition spd="med" p14:dur="700">
-        <p:fade/>
-      </p:transition>
+  <mc:AlternateContent xmlns:mc="http://schemas.openxmlformats.org/markup-compatibility/2006">
+    <mc:Choice xmlns:p14="http://schemas.microsoft.com/office/powerpoint/2010/main" Requires="p14">
+      <p:transition p14:dur="10"/>
     </mc:Choice>
-    <mc:Fallback xmlns="">
-      <p:transition spd="med">
-        <p:fade/>
-      </p:transition>
+    <mc:Fallback>
+      <p:transition/>
     </mc:Fallback>
   </mc:AlternateContent>
+  <p:timing>
+    <p:tnLst>
+      <p:par>
+        <p:cTn id="1" dur="indefinite" restart="never" nodeType="tmRoot"/>
+      </p:par>
+    </p:tnLst>
+  </p:timing>
 </p:sld>
 </file>
 
@@ -6308,13 +6256,8 @@
             </a:pPr>
             <a:r>
               <a:rPr lang="en-US" dirty="0" smtClean="0"/>
-              <a:t>Access to </a:t>
-            </a:r>
-            <a:r>
-              <a:rPr lang="en-US" dirty="0" smtClean="0"/>
-              <a:t>International suppliers/consumers</a:t>
-            </a:r>
-            <a:endParaRPr lang="en-US" dirty="0" smtClean="0"/>
+              <a:t>Access to International suppliers/consumers</a:t>
+            </a:r>
           </a:p>
           <a:p>
             <a:pPr>
@@ -6350,11 +6293,7 @@
             </a:r>
             <a:r>
               <a:rPr lang="en-US" smtClean="0"/>
-              <a:t>hurricane </a:t>
-            </a:r>
-            <a:r>
-              <a:rPr lang="en-US" smtClean="0"/>
-              <a:t>risk</a:t>
+              <a:t>hurricane risk</a:t>
             </a:r>
             <a:endParaRPr lang="en-US" dirty="0" smtClean="0"/>
           </a:p>
@@ -6859,16 +6798,12 @@
   <p:clrMapOvr>
     <a:masterClrMapping/>
   </p:clrMapOvr>
-  <mc:AlternateContent xmlns:mc="http://schemas.openxmlformats.org/markup-compatibility/2006" xmlns:p14="http://schemas.microsoft.com/office/powerpoint/2010/main">
-    <mc:Choice Requires="p14">
-      <p:transition spd="med" p14:dur="700">
-        <p:fade/>
-      </p:transition>
+  <mc:AlternateContent xmlns:mc="http://schemas.openxmlformats.org/markup-compatibility/2006">
+    <mc:Choice xmlns:p14="http://schemas.microsoft.com/office/powerpoint/2010/main" Requires="p14">
+      <p:transition p14:dur="10"/>
     </mc:Choice>
-    <mc:Fallback xmlns="">
-      <p:transition spd="med">
-        <p:fade/>
-      </p:transition>
+    <mc:Fallback>
+      <p:transition/>
     </mc:Fallback>
   </mc:AlternateContent>
 </p:sld>
@@ -6924,16 +6859,12 @@
   <p:clrMapOvr>
     <a:masterClrMapping/>
   </p:clrMapOvr>
-  <mc:AlternateContent xmlns:mc="http://schemas.openxmlformats.org/markup-compatibility/2006" xmlns:p14="http://schemas.microsoft.com/office/powerpoint/2010/main">
-    <mc:Choice Requires="p14">
-      <p:transition spd="med" p14:dur="700">
-        <p:fade/>
-      </p:transition>
+  <mc:AlternateContent xmlns:mc="http://schemas.openxmlformats.org/markup-compatibility/2006">
+    <mc:Choice xmlns:p14="http://schemas.microsoft.com/office/powerpoint/2010/main" Requires="p14">
+      <p:transition p14:dur="10"/>
     </mc:Choice>
-    <mc:Fallback xmlns="">
-      <p:transition spd="med">
-        <p:fade/>
-      </p:transition>
+    <mc:Fallback>
+      <p:transition/>
     </mc:Fallback>
   </mc:AlternateContent>
 </p:sld>
@@ -7026,16 +6957,12 @@
   <p:clrMapOvr>
     <a:masterClrMapping/>
   </p:clrMapOvr>
-  <mc:AlternateContent xmlns:mc="http://schemas.openxmlformats.org/markup-compatibility/2006" xmlns:p14="http://schemas.microsoft.com/office/powerpoint/2010/main">
-    <mc:Choice Requires="p14">
-      <p:transition spd="med" p14:dur="700">
-        <p:fade/>
-      </p:transition>
+  <mc:AlternateContent xmlns:mc="http://schemas.openxmlformats.org/markup-compatibility/2006">
+    <mc:Choice xmlns:p14="http://schemas.microsoft.com/office/powerpoint/2010/main" Requires="p14">
+      <p:transition p14:dur="10"/>
     </mc:Choice>
-    <mc:Fallback xmlns="">
-      <p:transition spd="med">
-        <p:fade/>
-      </p:transition>
+    <mc:Fallback>
+      <p:transition/>
     </mc:Fallback>
   </mc:AlternateContent>
 </p:sld>

--- a/src/sitepresentation.pptx
+++ b/src/sitepresentation.pptx
@@ -5,10 +5,10 @@
     <p:sldMasterId id="2147483648" r:id="rId1"/>
   </p:sldMasterIdLst>
   <p:notesMasterIdLst>
-    <p:notesMasterId r:id="rId13"/>
+    <p:notesMasterId r:id="rId14"/>
   </p:notesMasterIdLst>
   <p:handoutMasterIdLst>
-    <p:handoutMasterId r:id="rId14"/>
+    <p:handoutMasterId r:id="rId15"/>
   </p:handoutMasterIdLst>
   <p:sldIdLst>
     <p:sldId id="256" r:id="rId2"/>
@@ -22,6 +22,7 @@
     <p:sldId id="267" r:id="rId10"/>
     <p:sldId id="268" r:id="rId11"/>
     <p:sldId id="269" r:id="rId12"/>
+    <p:sldId id="270" r:id="rId13"/>
   </p:sldIdLst>
   <p:sldSz cx="12192000" cy="6858000"/>
   <p:notesSz cx="6858000" cy="9144000"/>
@@ -213,7 +214,7 @@
           <a:p>
             <a:fld id="{061C5132-FFA3-4B02-9F09-22FCF40EFA74}" type="datetimeFigureOut">
               <a:rPr lang="en-US" smtClean="0"/>
-              <a:t>2/9/2019</a:t>
+              <a:t>2/10/2019</a:t>
             </a:fld>
             <a:endParaRPr lang="en-US"/>
           </a:p>
@@ -378,7 +379,7 @@
           <a:p>
             <a:fld id="{0B6E42C9-243F-4DC5-AFF6-9D56B5FA9D63}" type="datetimeFigureOut">
               <a:rPr lang="en-US" smtClean="0"/>
-              <a:t>2/9/2019</a:t>
+              <a:t>2/10/2019</a:t>
             </a:fld>
             <a:endParaRPr lang="en-US"/>
           </a:p>
@@ -1278,11 +1279,11 @@
   <p:clrMapOvr>
     <a:masterClrMapping/>
   </p:clrMapOvr>
-  <mc:AlternateContent xmlns:mc="http://schemas.openxmlformats.org/markup-compatibility/2006">
-    <mc:Choice xmlns:p14="http://schemas.microsoft.com/office/powerpoint/2010/main" Requires="p14">
+  <mc:AlternateContent xmlns:mc="http://schemas.openxmlformats.org/markup-compatibility/2006" xmlns:p14="http://schemas.microsoft.com/office/powerpoint/2010/main">
+    <mc:Choice Requires="p14">
       <p:transition p14:dur="10"/>
     </mc:Choice>
-    <mc:Fallback>
+    <mc:Fallback xmlns="">
       <p:transition/>
     </mc:Fallback>
   </mc:AlternateContent>
@@ -1417,7 +1418,7 @@
           <a:p>
             <a:fld id="{B0FE2824-C2A0-4931-BB32-60B24BDBB3CC}" type="datetimeFigureOut">
               <a:rPr lang="en-US" smtClean="0"/>
-              <a:t>2/9/2019</a:t>
+              <a:t>2/10/2019</a:t>
             </a:fld>
             <a:endParaRPr lang="en-US"/>
           </a:p>
@@ -1456,11 +1457,11 @@
   <p:clrMapOvr>
     <a:masterClrMapping/>
   </p:clrMapOvr>
-  <mc:AlternateContent xmlns:mc="http://schemas.openxmlformats.org/markup-compatibility/2006">
-    <mc:Choice xmlns:p14="http://schemas.microsoft.com/office/powerpoint/2010/main" Requires="p14">
+  <mc:AlternateContent xmlns:mc="http://schemas.openxmlformats.org/markup-compatibility/2006" xmlns:p14="http://schemas.microsoft.com/office/powerpoint/2010/main">
+    <mc:Choice Requires="p14">
       <p:transition p14:dur="10"/>
     </mc:Choice>
-    <mc:Fallback>
+    <mc:Fallback xmlns="">
       <p:transition/>
     </mc:Fallback>
   </mc:AlternateContent>
@@ -1609,7 +1610,7 @@
           <a:p>
             <a:fld id="{B0FE2824-C2A0-4931-BB32-60B24BDBB3CC}" type="datetimeFigureOut">
               <a:rPr lang="en-US" smtClean="0"/>
-              <a:t>2/9/2019</a:t>
+              <a:t>2/10/2019</a:t>
             </a:fld>
             <a:endParaRPr lang="en-US"/>
           </a:p>
@@ -1648,11 +1649,11 @@
   <p:clrMapOvr>
     <a:masterClrMapping/>
   </p:clrMapOvr>
-  <mc:AlternateContent xmlns:mc="http://schemas.openxmlformats.org/markup-compatibility/2006">
-    <mc:Choice xmlns:p14="http://schemas.microsoft.com/office/powerpoint/2010/main" Requires="p14">
+  <mc:AlternateContent xmlns:mc="http://schemas.openxmlformats.org/markup-compatibility/2006" xmlns:p14="http://schemas.microsoft.com/office/powerpoint/2010/main">
+    <mc:Choice Requires="p14">
       <p:transition p14:dur="10"/>
     </mc:Choice>
-    <mc:Fallback>
+    <mc:Fallback xmlns="">
       <p:transition/>
     </mc:Fallback>
   </mc:AlternateContent>
@@ -1787,7 +1788,7 @@
           <a:p>
             <a:fld id="{B0FE2824-C2A0-4931-BB32-60B24BDBB3CC}" type="datetimeFigureOut">
               <a:rPr lang="en-US" smtClean="0"/>
-              <a:t>2/9/2019</a:t>
+              <a:t>2/10/2019</a:t>
             </a:fld>
             <a:endParaRPr lang="en-US"/>
           </a:p>
@@ -1826,11 +1827,11 @@
   <p:clrMapOvr>
     <a:masterClrMapping/>
   </p:clrMapOvr>
-  <mc:AlternateContent xmlns:mc="http://schemas.openxmlformats.org/markup-compatibility/2006">
-    <mc:Choice xmlns:p14="http://schemas.microsoft.com/office/powerpoint/2010/main" Requires="p14">
+  <mc:AlternateContent xmlns:mc="http://schemas.openxmlformats.org/markup-compatibility/2006" xmlns:p14="http://schemas.microsoft.com/office/powerpoint/2010/main">
+    <mc:Choice Requires="p14">
       <p:transition p14:dur="10"/>
     </mc:Choice>
-    <mc:Fallback>
+    <mc:Fallback xmlns="">
       <p:transition/>
     </mc:Fallback>
   </mc:AlternateContent>
@@ -2034,11 +2035,11 @@
   <p:clrMapOvr>
     <a:masterClrMapping/>
   </p:clrMapOvr>
-  <mc:AlternateContent xmlns:mc="http://schemas.openxmlformats.org/markup-compatibility/2006">
-    <mc:Choice xmlns:p14="http://schemas.microsoft.com/office/powerpoint/2010/main" Requires="p14">
+  <mc:AlternateContent xmlns:mc="http://schemas.openxmlformats.org/markup-compatibility/2006" xmlns:p14="http://schemas.microsoft.com/office/powerpoint/2010/main">
+    <mc:Choice Requires="p14">
       <p:transition p14:dur="10"/>
     </mc:Choice>
-    <mc:Fallback>
+    <mc:Fallback xmlns="">
       <p:transition/>
     </mc:Fallback>
   </mc:AlternateContent>
@@ -2300,7 +2301,7 @@
           <a:p>
             <a:fld id="{B0FE2824-C2A0-4931-BB32-60B24BDBB3CC}" type="datetimeFigureOut">
               <a:rPr lang="en-US" smtClean="0"/>
-              <a:t>2/9/2019</a:t>
+              <a:t>2/10/2019</a:t>
             </a:fld>
             <a:endParaRPr lang="en-US"/>
           </a:p>
@@ -2339,11 +2340,11 @@
   <p:clrMapOvr>
     <a:masterClrMapping/>
   </p:clrMapOvr>
-  <mc:AlternateContent xmlns:mc="http://schemas.openxmlformats.org/markup-compatibility/2006">
-    <mc:Choice xmlns:p14="http://schemas.microsoft.com/office/powerpoint/2010/main" Requires="p14">
+  <mc:AlternateContent xmlns:mc="http://schemas.openxmlformats.org/markup-compatibility/2006" xmlns:p14="http://schemas.microsoft.com/office/powerpoint/2010/main">
+    <mc:Choice Requires="p14">
       <p:transition p14:dur="10"/>
     </mc:Choice>
-    <mc:Fallback>
+    <mc:Fallback xmlns="">
       <p:transition/>
     </mc:Fallback>
   </mc:AlternateContent>
@@ -2740,7 +2741,7 @@
           <a:p>
             <a:fld id="{B0FE2824-C2A0-4931-BB32-60B24BDBB3CC}" type="datetimeFigureOut">
               <a:rPr lang="en-US" smtClean="0"/>
-              <a:t>2/9/2019</a:t>
+              <a:t>2/10/2019</a:t>
             </a:fld>
             <a:endParaRPr lang="en-US"/>
           </a:p>
@@ -2779,11 +2780,11 @@
   <p:clrMapOvr>
     <a:masterClrMapping/>
   </p:clrMapOvr>
-  <mc:AlternateContent xmlns:mc="http://schemas.openxmlformats.org/markup-compatibility/2006">
-    <mc:Choice xmlns:p14="http://schemas.microsoft.com/office/powerpoint/2010/main" Requires="p14">
+  <mc:AlternateContent xmlns:mc="http://schemas.openxmlformats.org/markup-compatibility/2006" xmlns:p14="http://schemas.microsoft.com/office/powerpoint/2010/main">
+    <mc:Choice Requires="p14">
       <p:transition p14:dur="10"/>
     </mc:Choice>
-    <mc:Fallback>
+    <mc:Fallback xmlns="">
       <p:transition/>
     </mc:Fallback>
   </mc:AlternateContent>
@@ -2866,7 +2867,7 @@
           <a:p>
             <a:fld id="{B0FE2824-C2A0-4931-BB32-60B24BDBB3CC}" type="datetimeFigureOut">
               <a:rPr lang="en-US" smtClean="0"/>
-              <a:t>2/9/2019</a:t>
+              <a:t>2/10/2019</a:t>
             </a:fld>
             <a:endParaRPr lang="en-US"/>
           </a:p>
@@ -2905,11 +2906,11 @@
   <p:clrMapOvr>
     <a:masterClrMapping/>
   </p:clrMapOvr>
-  <mc:AlternateContent xmlns:mc="http://schemas.openxmlformats.org/markup-compatibility/2006">
-    <mc:Choice xmlns:p14="http://schemas.microsoft.com/office/powerpoint/2010/main" Requires="p14">
+  <mc:AlternateContent xmlns:mc="http://schemas.openxmlformats.org/markup-compatibility/2006" xmlns:p14="http://schemas.microsoft.com/office/powerpoint/2010/main">
+    <mc:Choice Requires="p14">
       <p:transition p14:dur="10"/>
     </mc:Choice>
-    <mc:Fallback>
+    <mc:Fallback xmlns="">
       <p:transition/>
     </mc:Fallback>
   </mc:AlternateContent>
@@ -2969,7 +2970,7 @@
           <a:p>
             <a:fld id="{B0FE2824-C2A0-4931-BB32-60B24BDBB3CC}" type="datetimeFigureOut">
               <a:rPr lang="en-US" smtClean="0"/>
-              <a:t>2/9/2019</a:t>
+              <a:t>2/10/2019</a:t>
             </a:fld>
             <a:endParaRPr lang="en-US"/>
           </a:p>
@@ -3008,11 +3009,11 @@
   <p:clrMapOvr>
     <a:masterClrMapping/>
   </p:clrMapOvr>
-  <mc:AlternateContent xmlns:mc="http://schemas.openxmlformats.org/markup-compatibility/2006">
-    <mc:Choice xmlns:p14="http://schemas.microsoft.com/office/powerpoint/2010/main" Requires="p14">
+  <mc:AlternateContent xmlns:mc="http://schemas.openxmlformats.org/markup-compatibility/2006" xmlns:p14="http://schemas.microsoft.com/office/powerpoint/2010/main">
+    <mc:Choice Requires="p14">
       <p:transition p14:dur="10"/>
     </mc:Choice>
-    <mc:Fallback>
+    <mc:Fallback xmlns="">
       <p:transition/>
     </mc:Fallback>
   </mc:AlternateContent>
@@ -3261,7 +3262,7 @@
           <a:p>
             <a:fld id="{B0FE2824-C2A0-4931-BB32-60B24BDBB3CC}" type="datetimeFigureOut">
               <a:rPr lang="en-US" smtClean="0"/>
-              <a:t>2/9/2019</a:t>
+              <a:t>2/10/2019</a:t>
             </a:fld>
             <a:endParaRPr lang="en-US"/>
           </a:p>
@@ -3300,11 +3301,11 @@
   <p:clrMapOvr>
     <a:masterClrMapping/>
   </p:clrMapOvr>
-  <mc:AlternateContent xmlns:mc="http://schemas.openxmlformats.org/markup-compatibility/2006">
-    <mc:Choice xmlns:p14="http://schemas.microsoft.com/office/powerpoint/2010/main" Requires="p14">
+  <mc:AlternateContent xmlns:mc="http://schemas.openxmlformats.org/markup-compatibility/2006" xmlns:p14="http://schemas.microsoft.com/office/powerpoint/2010/main">
+    <mc:Choice Requires="p14">
       <p:transition p14:dur="10"/>
     </mc:Choice>
-    <mc:Fallback>
+    <mc:Fallback xmlns="">
       <p:transition/>
     </mc:Fallback>
   </mc:AlternateContent>
@@ -3531,7 +3532,7 @@
           <a:p>
             <a:fld id="{B0FE2824-C2A0-4931-BB32-60B24BDBB3CC}" type="datetimeFigureOut">
               <a:rPr lang="en-US" smtClean="0"/>
-              <a:t>2/9/2019</a:t>
+              <a:t>2/10/2019</a:t>
             </a:fld>
             <a:endParaRPr lang="en-US"/>
           </a:p>
@@ -3570,11 +3571,11 @@
   <p:clrMapOvr>
     <a:masterClrMapping/>
   </p:clrMapOvr>
-  <mc:AlternateContent xmlns:mc="http://schemas.openxmlformats.org/markup-compatibility/2006">
-    <mc:Choice xmlns:p14="http://schemas.microsoft.com/office/powerpoint/2010/main" Requires="p14">
+  <mc:AlternateContent xmlns:mc="http://schemas.openxmlformats.org/markup-compatibility/2006" xmlns:p14="http://schemas.microsoft.com/office/powerpoint/2010/main">
+    <mc:Choice Requires="p14">
       <p:transition p14:dur="10"/>
     </mc:Choice>
-    <mc:Fallback>
+    <mc:Fallback xmlns="">
       <p:transition/>
     </mc:Fallback>
   </mc:AlternateContent>
@@ -3821,7 +3822,7 @@
             <a:fld id="{B0FE2824-C2A0-4931-BB32-60B24BDBB3CC}" type="datetimeFigureOut">
               <a:rPr lang="en-US" smtClean="0"/>
               <a:pPr/>
-              <a:t>2/9/2019</a:t>
+              <a:t>2/10/2019</a:t>
             </a:fld>
             <a:endParaRPr lang="en-US"/>
           </a:p>
@@ -3891,11 +3892,11 @@
     <p:sldLayoutId id="2147483658" r:id="rId10"/>
     <p:sldLayoutId id="2147483659" r:id="rId11"/>
   </p:sldLayoutIdLst>
-  <mc:AlternateContent xmlns:mc="http://schemas.openxmlformats.org/markup-compatibility/2006">
-    <mc:Choice xmlns:p14="http://schemas.microsoft.com/office/powerpoint/2010/main" Requires="p14">
+  <mc:AlternateContent xmlns:mc="http://schemas.openxmlformats.org/markup-compatibility/2006" xmlns:p14="http://schemas.microsoft.com/office/powerpoint/2010/main">
+    <mc:Choice Requires="p14">
       <p:transition p14:dur="10"/>
     </mc:Choice>
-    <mc:Fallback>
+    <mc:Fallback xmlns="">
       <p:transition/>
     </mc:Fallback>
   </mc:AlternateContent>
@@ -4317,11 +4318,11 @@
   <p:clrMapOvr>
     <a:masterClrMapping/>
   </p:clrMapOvr>
-  <mc:AlternateContent xmlns:mc="http://schemas.openxmlformats.org/markup-compatibility/2006">
-    <mc:Choice xmlns:p14="http://schemas.microsoft.com/office/powerpoint/2010/main" Requires="p14">
+  <mc:AlternateContent xmlns:mc="http://schemas.openxmlformats.org/markup-compatibility/2006" xmlns:p14="http://schemas.microsoft.com/office/powerpoint/2010/main">
+    <mc:Choice Requires="p14">
       <p:transition p14:dur="10"/>
     </mc:Choice>
-    <mc:Fallback>
+    <mc:Fallback xmlns="">
       <p:transition/>
     </mc:Fallback>
   </mc:AlternateContent>
@@ -4594,11 +4595,11 @@
   <p:clrMapOvr>
     <a:masterClrMapping/>
   </p:clrMapOvr>
-  <mc:AlternateContent xmlns:mc="http://schemas.openxmlformats.org/markup-compatibility/2006">
-    <mc:Choice xmlns:p14="http://schemas.microsoft.com/office/powerpoint/2010/main" Requires="p14">
+  <mc:AlternateContent xmlns:mc="http://schemas.openxmlformats.org/markup-compatibility/2006" xmlns:p14="http://schemas.microsoft.com/office/powerpoint/2010/main">
+    <mc:Choice Requires="p14">
       <p:transition p14:dur="10"/>
     </mc:Choice>
-    <mc:Fallback>
+    <mc:Fallback xmlns="">
       <p:transition/>
     </mc:Fallback>
   </mc:AlternateContent>
@@ -4778,11 +4779,95 @@
   <p:clrMapOvr>
     <a:masterClrMapping/>
   </p:clrMapOvr>
-  <mc:AlternateContent xmlns:mc="http://schemas.openxmlformats.org/markup-compatibility/2006">
-    <mc:Choice xmlns:p14="http://schemas.microsoft.com/office/powerpoint/2010/main" Requires="p14">
+  <mc:AlternateContent xmlns:mc="http://schemas.openxmlformats.org/markup-compatibility/2006" xmlns:p14="http://schemas.microsoft.com/office/powerpoint/2010/main">
+    <mc:Choice Requires="p14">
       <p:transition p14:dur="10"/>
     </mc:Choice>
-    <mc:Fallback>
+    <mc:Fallback xmlns="">
+      <p:transition/>
+    </mc:Fallback>
+  </mc:AlternateContent>
+</p:sld>
+</file>
+
+<file path=ppt/slides/slide12.xml><?xml version="1.0" encoding="utf-8"?>
+<p:sld xmlns:a="http://schemas.openxmlformats.org/drawingml/2006/main" xmlns:r="http://schemas.openxmlformats.org/officeDocument/2006/relationships" xmlns:p="http://schemas.openxmlformats.org/presentationml/2006/main">
+  <p:cSld>
+    <p:spTree>
+      <p:nvGrpSpPr>
+        <p:cNvPr id="1" name=""/>
+        <p:cNvGrpSpPr/>
+        <p:nvPr/>
+      </p:nvGrpSpPr>
+      <p:grpSpPr>
+        <a:xfrm>
+          <a:off x="0" y="0"/>
+          <a:ext cx="0" cy="0"/>
+          <a:chOff x="0" y="0"/>
+          <a:chExt cx="0" cy="0"/>
+        </a:xfrm>
+      </p:grpSpPr>
+      <p:sp>
+        <p:nvSpPr>
+          <p:cNvPr id="2" name="Title 1"/>
+          <p:cNvSpPr>
+            <a:spLocks noGrp="1"/>
+          </p:cNvSpPr>
+          <p:nvPr>
+            <p:ph type="title"/>
+          </p:nvPr>
+        </p:nvSpPr>
+        <p:spPr/>
+        <p:txBody>
+          <a:bodyPr/>
+          <a:lstStyle/>
+          <a:p>
+            <a:r>
+              <a:rPr lang="en-US" dirty="0" smtClean="0"/>
+              <a:t>For more information visit:</a:t>
+            </a:r>
+            <a:endParaRPr lang="en-US" dirty="0"/>
+          </a:p>
+        </p:txBody>
+      </p:sp>
+      <p:sp>
+        <p:nvSpPr>
+          <p:cNvPr id="3" name="Text Placeholder 2"/>
+          <p:cNvSpPr>
+            <a:spLocks noGrp="1"/>
+          </p:cNvSpPr>
+          <p:nvPr>
+            <p:ph type="body" idx="1"/>
+          </p:nvPr>
+        </p:nvSpPr>
+        <p:spPr/>
+        <p:txBody>
+          <a:bodyPr/>
+          <a:lstStyle/>
+          <a:p>
+            <a:r>
+              <a:rPr lang="en-US" dirty="0" smtClean="0"/>
+              <a:t>www.worsteadengineering.com/Greenville</a:t>
+            </a:r>
+            <a:endParaRPr lang="en-US" dirty="0"/>
+          </a:p>
+        </p:txBody>
+      </p:sp>
+    </p:spTree>
+    <p:extLst>
+      <p:ext uri="{BB962C8B-B14F-4D97-AF65-F5344CB8AC3E}">
+        <p14:creationId xmlns:p14="http://schemas.microsoft.com/office/powerpoint/2010/main" val="1534271740"/>
+      </p:ext>
+    </p:extLst>
+  </p:cSld>
+  <p:clrMapOvr>
+    <a:masterClrMapping/>
+  </p:clrMapOvr>
+  <mc:AlternateContent xmlns:mc="http://schemas.openxmlformats.org/markup-compatibility/2006" xmlns:p14="http://schemas.microsoft.com/office/powerpoint/2010/main">
+    <mc:Choice Requires="p14">
+      <p:transition p14:dur="10"/>
+    </mc:Choice>
+    <mc:Fallback xmlns="">
       <p:transition/>
     </mc:Fallback>
   </mc:AlternateContent>
@@ -4965,11 +5050,11 @@
   <p:clrMapOvr>
     <a:masterClrMapping/>
   </p:clrMapOvr>
-  <mc:AlternateContent xmlns:mc="http://schemas.openxmlformats.org/markup-compatibility/2006">
-    <mc:Choice xmlns:p14="http://schemas.microsoft.com/office/powerpoint/2010/main" Requires="p14">
+  <mc:AlternateContent xmlns:mc="http://schemas.openxmlformats.org/markup-compatibility/2006" xmlns:p14="http://schemas.microsoft.com/office/powerpoint/2010/main">
+    <mc:Choice Requires="p14">
       <p:transition p14:dur="10"/>
     </mc:Choice>
-    <mc:Fallback>
+    <mc:Fallback xmlns="">
       <p:transition/>
     </mc:Fallback>
   </mc:AlternateContent>
@@ -5615,11 +5700,11 @@
   <p:clrMapOvr>
     <a:masterClrMapping/>
   </p:clrMapOvr>
-  <mc:AlternateContent xmlns:mc="http://schemas.openxmlformats.org/markup-compatibility/2006">
-    <mc:Choice xmlns:p14="http://schemas.microsoft.com/office/powerpoint/2010/main" Requires="p14">
+  <mc:AlternateContent xmlns:mc="http://schemas.openxmlformats.org/markup-compatibility/2006" xmlns:p14="http://schemas.microsoft.com/office/powerpoint/2010/main">
+    <mc:Choice Requires="p14">
       <p:transition p14:dur="10"/>
     </mc:Choice>
-    <mc:Fallback>
+    <mc:Fallback xmlns="">
       <p:transition/>
     </mc:Fallback>
   </mc:AlternateContent>
@@ -5683,11 +5768,11 @@
   <p:clrMapOvr>
     <a:masterClrMapping/>
   </p:clrMapOvr>
-  <mc:AlternateContent xmlns:mc="http://schemas.openxmlformats.org/markup-compatibility/2006">
-    <mc:Choice xmlns:p14="http://schemas.microsoft.com/office/powerpoint/2010/main" Requires="p14">
+  <mc:AlternateContent xmlns:mc="http://schemas.openxmlformats.org/markup-compatibility/2006" xmlns:p14="http://schemas.microsoft.com/office/powerpoint/2010/main">
+    <mc:Choice Requires="p14">
       <p:transition p14:dur="10"/>
     </mc:Choice>
-    <mc:Fallback>
+    <mc:Fallback xmlns="">
       <p:transition/>
     </mc:Fallback>
   </mc:AlternateContent>
@@ -5842,11 +5927,11 @@
   <p:clrMapOvr>
     <a:masterClrMapping/>
   </p:clrMapOvr>
-  <mc:AlternateContent xmlns:mc="http://schemas.openxmlformats.org/markup-compatibility/2006">
-    <mc:Choice xmlns:p14="http://schemas.microsoft.com/office/powerpoint/2010/main" Requires="p14">
+  <mc:AlternateContent xmlns:mc="http://schemas.openxmlformats.org/markup-compatibility/2006" xmlns:p14="http://schemas.microsoft.com/office/powerpoint/2010/main">
+    <mc:Choice Requires="p14">
       <p:transition p14:dur="10"/>
     </mc:Choice>
-    <mc:Fallback>
+    <mc:Fallback xmlns="">
       <p:transition/>
     </mc:Fallback>
   </mc:AlternateContent>
@@ -5958,11 +6043,11 @@
   <p:clrMapOvr>
     <a:masterClrMapping/>
   </p:clrMapOvr>
-  <mc:AlternateContent xmlns:mc="http://schemas.openxmlformats.org/markup-compatibility/2006">
-    <mc:Choice xmlns:p14="http://schemas.microsoft.com/office/powerpoint/2010/main" Requires="p14">
+  <mc:AlternateContent xmlns:mc="http://schemas.openxmlformats.org/markup-compatibility/2006" xmlns:p14="http://schemas.microsoft.com/office/powerpoint/2010/main">
+    <mc:Choice Requires="p14">
       <p:transition p14:dur="10"/>
     </mc:Choice>
-    <mc:Fallback>
+    <mc:Fallback xmlns="">
       <p:transition/>
     </mc:Fallback>
   </mc:AlternateContent>
@@ -6798,11 +6883,11 @@
   <p:clrMapOvr>
     <a:masterClrMapping/>
   </p:clrMapOvr>
-  <mc:AlternateContent xmlns:mc="http://schemas.openxmlformats.org/markup-compatibility/2006">
-    <mc:Choice xmlns:p14="http://schemas.microsoft.com/office/powerpoint/2010/main" Requires="p14">
+  <mc:AlternateContent xmlns:mc="http://schemas.openxmlformats.org/markup-compatibility/2006" xmlns:p14="http://schemas.microsoft.com/office/powerpoint/2010/main">
+    <mc:Choice Requires="p14">
       <p:transition p14:dur="10"/>
     </mc:Choice>
-    <mc:Fallback>
+    <mc:Fallback xmlns="">
       <p:transition/>
     </mc:Fallback>
   </mc:AlternateContent>
@@ -6859,11 +6944,11 @@
   <p:clrMapOvr>
     <a:masterClrMapping/>
   </p:clrMapOvr>
-  <mc:AlternateContent xmlns:mc="http://schemas.openxmlformats.org/markup-compatibility/2006">
-    <mc:Choice xmlns:p14="http://schemas.microsoft.com/office/powerpoint/2010/main" Requires="p14">
+  <mc:AlternateContent xmlns:mc="http://schemas.openxmlformats.org/markup-compatibility/2006" xmlns:p14="http://schemas.microsoft.com/office/powerpoint/2010/main">
+    <mc:Choice Requires="p14">
       <p:transition p14:dur="10"/>
     </mc:Choice>
-    <mc:Fallback>
+    <mc:Fallback xmlns="">
       <p:transition/>
     </mc:Fallback>
   </mc:AlternateContent>
@@ -6957,11 +7042,11 @@
   <p:clrMapOvr>
     <a:masterClrMapping/>
   </p:clrMapOvr>
-  <mc:AlternateContent xmlns:mc="http://schemas.openxmlformats.org/markup-compatibility/2006">
-    <mc:Choice xmlns:p14="http://schemas.microsoft.com/office/powerpoint/2010/main" Requires="p14">
+  <mc:AlternateContent xmlns:mc="http://schemas.openxmlformats.org/markup-compatibility/2006" xmlns:p14="http://schemas.microsoft.com/office/powerpoint/2010/main">
+    <mc:Choice Requires="p14">
       <p:transition p14:dur="10"/>
     </mc:Choice>
-    <mc:Fallback>
+    <mc:Fallback xmlns="">
       <p:transition/>
     </mc:Fallback>
   </mc:AlternateContent>

--- a/src/sitepresentation.pptx
+++ b/src/sitepresentation.pptx
@@ -4847,7 +4847,7 @@
           <a:p>
             <a:r>
               <a:rPr lang="en-US" dirty="0" smtClean="0"/>
-              <a:t>www.worsteadengineering.com/Greenville</a:t>
+              <a:t>www.worsteadengineering.com</a:t>
             </a:r>
             <a:endParaRPr lang="en-US" dirty="0"/>
           </a:p>
